--- a/assets/images/university-logos.pptx
+++ b/assets/images/university-logos.pptx
@@ -6,6 +6,7 @@
   </p:sldMasterIdLst>
   <p:sldIdLst>
     <p:sldId id="256" r:id="rId2"/>
+    <p:sldId id="257" r:id="rId3"/>
   </p:sldIdLst>
   <p:sldSz cx="12192000" cy="6858000"/>
   <p:notesSz cx="6858000" cy="9144000"/>
@@ -104,7 +105,81 @@
       </a:defRPr>
     </a:lvl9pPr>
   </p:defaultTextStyle>
+  <p:extLst>
+    <p:ext uri="{EFAFB233-063F-42B5-8137-9DF3F51BA10A}">
+      <p15:sldGuideLst xmlns:p15="http://schemas.microsoft.com/office/powerpoint/2012/main"/>
+    </p:ext>
+  </p:extLst>
 </p:presentation>
+</file>
+
+<file path=ppt/revisionInfo.xml><?xml version="1.0" encoding="utf-8"?>
+<p1510:revInfo xmlns:a="http://schemas.openxmlformats.org/drawingml/2006/main" xmlns:r="http://schemas.openxmlformats.org/officeDocument/2006/relationships" xmlns:p1510="http://schemas.microsoft.com/office/powerpoint/2015/10/main">
+  <p1510:revLst>
+    <p1510:client id="{5DBDBC1C-9846-480E-BDC3-B798AD601E44}" v="2" dt="2022-09-19T19:15:33.503"/>
+  </p1510:revLst>
+</p1510:revInfo>
+</file>
+
+<file path=ppt/changesInfos/changesInfo1.xml><?xml version="1.0" encoding="utf-8"?>
+<pc:chgInfo xmlns:a="http://schemas.openxmlformats.org/drawingml/2006/main" xmlns:r="http://schemas.openxmlformats.org/officeDocument/2006/relationships" xmlns:ac="http://schemas.microsoft.com/office/drawing/2013/main/command" xmlns:pc="http://schemas.microsoft.com/office/powerpoint/2013/main/command">
+  <pc:docChgLst>
+    <pc:chgData name="Mona Xue" userId="5c10f217bd9b3a34" providerId="LiveId" clId="{5DBDBC1C-9846-480E-BDC3-B798AD601E44}"/>
+    <pc:docChg chg="addSld modSld">
+      <pc:chgData name="Mona Xue" userId="5c10f217bd9b3a34" providerId="LiveId" clId="{5DBDBC1C-9846-480E-BDC3-B798AD601E44}" dt="2022-09-19T19:17:33.705" v="31" actId="1076"/>
+      <pc:docMkLst>
+        <pc:docMk/>
+      </pc:docMkLst>
+      <pc:sldChg chg="addSp modSp add mod">
+        <pc:chgData name="Mona Xue" userId="5c10f217bd9b3a34" providerId="LiveId" clId="{5DBDBC1C-9846-480E-BDC3-B798AD601E44}" dt="2022-09-19T19:17:33.705" v="31" actId="1076"/>
+        <pc:sldMkLst>
+          <pc:docMk/>
+          <pc:sldMk cId="2592922607" sldId="257"/>
+        </pc:sldMkLst>
+        <pc:grpChg chg="add mod">
+          <ac:chgData name="Mona Xue" userId="5c10f217bd9b3a34" providerId="LiveId" clId="{5DBDBC1C-9846-480E-BDC3-B798AD601E44}" dt="2022-09-19T19:15:50.522" v="10" actId="1076"/>
+          <ac:grpSpMkLst>
+            <pc:docMk/>
+            <pc:sldMk cId="2592922607" sldId="257"/>
+            <ac:grpSpMk id="4" creationId="{1994EF00-F355-A2DA-3287-7BB0A1510208}"/>
+          </ac:grpSpMkLst>
+        </pc:grpChg>
+        <pc:picChg chg="add mod">
+          <ac:chgData name="Mona Xue" userId="5c10f217bd9b3a34" providerId="LiveId" clId="{5DBDBC1C-9846-480E-BDC3-B798AD601E44}" dt="2022-09-19T19:17:33.705" v="31" actId="1076"/>
+          <ac:picMkLst>
+            <pc:docMk/>
+            <pc:sldMk cId="2592922607" sldId="257"/>
+            <ac:picMk id="3" creationId="{1EAE78C3-4B06-D76A-9AF0-AE67CE3B0DD6}"/>
+          </ac:picMkLst>
+        </pc:picChg>
+        <pc:picChg chg="mod">
+          <ac:chgData name="Mona Xue" userId="5c10f217bd9b3a34" providerId="LiveId" clId="{5DBDBC1C-9846-480E-BDC3-B798AD601E44}" dt="2022-09-19T19:15:33.503" v="6" actId="164"/>
+          <ac:picMkLst>
+            <pc:docMk/>
+            <pc:sldMk cId="2592922607" sldId="257"/>
+            <ac:picMk id="5" creationId="{82220996-7B3B-BB33-F43C-E24A57899FC5}"/>
+          </ac:picMkLst>
+        </pc:picChg>
+        <pc:picChg chg="mod">
+          <ac:chgData name="Mona Xue" userId="5c10f217bd9b3a34" providerId="LiveId" clId="{5DBDBC1C-9846-480E-BDC3-B798AD601E44}" dt="2022-09-19T19:15:33.503" v="6" actId="164"/>
+          <ac:picMkLst>
+            <pc:docMk/>
+            <pc:sldMk cId="2592922607" sldId="257"/>
+            <ac:picMk id="7" creationId="{241497E9-CB40-F121-648F-491A20296BF5}"/>
+          </ac:picMkLst>
+        </pc:picChg>
+        <pc:picChg chg="mod">
+          <ac:chgData name="Mona Xue" userId="5c10f217bd9b3a34" providerId="LiveId" clId="{5DBDBC1C-9846-480E-BDC3-B798AD601E44}" dt="2022-09-19T19:15:33.503" v="6" actId="164"/>
+          <ac:picMkLst>
+            <pc:docMk/>
+            <pc:sldMk cId="2592922607" sldId="257"/>
+            <ac:picMk id="9" creationId="{7F99193E-F42A-3320-4DE6-2A1A81FAA618}"/>
+          </ac:picMkLst>
+        </pc:picChg>
+      </pc:sldChg>
+    </pc:docChg>
+  </pc:docChgLst>
+</pc:chgInfo>
 </file>
 
 <file path=ppt/slideLayouts/slideLayout1.xml><?xml version="1.0" encoding="utf-8"?>
@@ -3442,6 +3517,204 @@
 </p:sld>
 </file>
 
+<file path=ppt/slides/slide2.xml><?xml version="1.0" encoding="utf-8"?>
+<p:sld xmlns:a="http://schemas.openxmlformats.org/drawingml/2006/main" xmlns:r="http://schemas.openxmlformats.org/officeDocument/2006/relationships" xmlns:p="http://schemas.openxmlformats.org/presentationml/2006/main">
+  <p:cSld>
+    <p:spTree>
+      <p:nvGrpSpPr>
+        <p:cNvPr id="1" name=""/>
+        <p:cNvGrpSpPr/>
+        <p:nvPr/>
+      </p:nvGrpSpPr>
+      <p:grpSpPr>
+        <a:xfrm>
+          <a:off x="0" y="0"/>
+          <a:ext cx="0" cy="0"/>
+          <a:chOff x="0" y="0"/>
+          <a:chExt cx="0" cy="0"/>
+        </a:xfrm>
+      </p:grpSpPr>
+      <p:grpSp>
+        <p:nvGrpSpPr>
+          <p:cNvPr id="4" name="Group 3">
+            <a:extLst>
+              <a:ext uri="{FF2B5EF4-FFF2-40B4-BE49-F238E27FC236}">
+                <a16:creationId xmlns:a16="http://schemas.microsoft.com/office/drawing/2014/main" id="{1994EF00-F355-A2DA-3287-7BB0A1510208}"/>
+              </a:ext>
+            </a:extLst>
+          </p:cNvPr>
+          <p:cNvGrpSpPr/>
+          <p:nvPr/>
+        </p:nvGrpSpPr>
+        <p:grpSpPr>
+          <a:xfrm>
+            <a:off x="460694" y="4018291"/>
+            <a:ext cx="10894244" cy="1729947"/>
+            <a:chOff x="460694" y="2925297"/>
+            <a:chExt cx="11004342" cy="1747430"/>
+          </a:xfrm>
+        </p:grpSpPr>
+        <p:pic>
+          <p:nvPicPr>
+            <p:cNvPr id="5" name="Picture 4" descr="Text&#10;&#10;Description automatically generated">
+              <a:extLst>
+                <a:ext uri="{FF2B5EF4-FFF2-40B4-BE49-F238E27FC236}">
+                  <a16:creationId xmlns:a16="http://schemas.microsoft.com/office/drawing/2014/main" id="{82220996-7B3B-BB33-F43C-E24A57899FC5}"/>
+                </a:ext>
+              </a:extLst>
+            </p:cNvPr>
+            <p:cNvPicPr>
+              <a:picLocks noChangeAspect="1"/>
+            </p:cNvPicPr>
+            <p:nvPr/>
+          </p:nvPicPr>
+          <p:blipFill>
+            <a:blip r:embed="rId2">
+              <a:extLst>
+                <a:ext uri="{28A0092B-C50C-407E-A947-70E740481C1C}">
+                  <a14:useLocalDpi xmlns:a14="http://schemas.microsoft.com/office/drawing/2010/main" val="0"/>
+                </a:ext>
+              </a:extLst>
+            </a:blip>
+            <a:stretch>
+              <a:fillRect/>
+            </a:stretch>
+          </p:blipFill>
+          <p:spPr>
+            <a:xfrm>
+              <a:off x="8765785" y="3086101"/>
+              <a:ext cx="2699251" cy="1470760"/>
+            </a:xfrm>
+            <a:prstGeom prst="rect">
+              <a:avLst/>
+            </a:prstGeom>
+          </p:spPr>
+        </p:pic>
+        <p:pic>
+          <p:nvPicPr>
+            <p:cNvPr id="7" name="Picture 6" descr="Logo&#10;&#10;Description automatically generated">
+              <a:extLst>
+                <a:ext uri="{FF2B5EF4-FFF2-40B4-BE49-F238E27FC236}">
+                  <a16:creationId xmlns:a16="http://schemas.microsoft.com/office/drawing/2014/main" id="{241497E9-CB40-F121-648F-491A20296BF5}"/>
+                </a:ext>
+              </a:extLst>
+            </p:cNvPr>
+            <p:cNvPicPr>
+              <a:picLocks noChangeAspect="1"/>
+            </p:cNvPicPr>
+            <p:nvPr/>
+          </p:nvPicPr>
+          <p:blipFill>
+            <a:blip r:embed="rId3">
+              <a:extLst>
+                <a:ext uri="{28A0092B-C50C-407E-A947-70E740481C1C}">
+                  <a14:useLocalDpi xmlns:a14="http://schemas.microsoft.com/office/drawing/2010/main" val="0"/>
+                </a:ext>
+              </a:extLst>
+            </a:blip>
+            <a:stretch>
+              <a:fillRect/>
+            </a:stretch>
+          </p:blipFill>
+          <p:spPr>
+            <a:xfrm>
+              <a:off x="5614950" y="2925297"/>
+              <a:ext cx="2508591" cy="1631564"/>
+            </a:xfrm>
+            <a:prstGeom prst="rect">
+              <a:avLst/>
+            </a:prstGeom>
+          </p:spPr>
+        </p:pic>
+        <p:pic>
+          <p:nvPicPr>
+            <p:cNvPr id="9" name="Picture 8" descr="Text&#10;&#10;Description automatically generated">
+              <a:extLst>
+                <a:ext uri="{FF2B5EF4-FFF2-40B4-BE49-F238E27FC236}">
+                  <a16:creationId xmlns:a16="http://schemas.microsoft.com/office/drawing/2014/main" id="{7F99193E-F42A-3320-4DE6-2A1A81FAA618}"/>
+                </a:ext>
+              </a:extLst>
+            </p:cNvPr>
+            <p:cNvPicPr>
+              <a:picLocks noChangeAspect="1"/>
+            </p:cNvPicPr>
+            <p:nvPr/>
+          </p:nvPicPr>
+          <p:blipFill>
+            <a:blip r:embed="rId4">
+              <a:extLst>
+                <a:ext uri="{28A0092B-C50C-407E-A947-70E740481C1C}">
+                  <a14:useLocalDpi xmlns:a14="http://schemas.microsoft.com/office/drawing/2010/main" val="0"/>
+                </a:ext>
+              </a:extLst>
+            </a:blip>
+            <a:stretch>
+              <a:fillRect/>
+            </a:stretch>
+          </p:blipFill>
+          <p:spPr>
+            <a:xfrm>
+              <a:off x="460694" y="3426583"/>
+              <a:ext cx="4761388" cy="1246144"/>
+            </a:xfrm>
+            <a:prstGeom prst="rect">
+              <a:avLst/>
+            </a:prstGeom>
+          </p:spPr>
+        </p:pic>
+      </p:grpSp>
+      <p:pic>
+        <p:nvPicPr>
+          <p:cNvPr id="3" name="Graphic 2">
+            <a:extLst>
+              <a:ext uri="{FF2B5EF4-FFF2-40B4-BE49-F238E27FC236}">
+                <a16:creationId xmlns:a16="http://schemas.microsoft.com/office/drawing/2014/main" id="{1EAE78C3-4B06-D76A-9AF0-AE67CE3B0DD6}"/>
+              </a:ext>
+            </a:extLst>
+          </p:cNvPr>
+          <p:cNvPicPr>
+            <a:picLocks noChangeAspect="1"/>
+          </p:cNvPicPr>
+          <p:nvPr/>
+        </p:nvPicPr>
+        <p:blipFill>
+          <a:blip r:embed="rId5">
+            <a:extLst>
+              <a:ext uri="{28A0092B-C50C-407E-A947-70E740481C1C}">
+                <a14:useLocalDpi xmlns:a14="http://schemas.microsoft.com/office/drawing/2010/main" val="0"/>
+              </a:ext>
+              <a:ext uri="{96DAC541-7B7A-43D3-8B79-37D633B846F1}">
+                <asvg:svgBlip xmlns:asvg="http://schemas.microsoft.com/office/drawing/2016/SVG/main" r:embed="rId6"/>
+              </a:ext>
+            </a:extLst>
+          </a:blip>
+          <a:stretch>
+            <a:fillRect/>
+          </a:stretch>
+        </p:blipFill>
+        <p:spPr>
+          <a:xfrm>
+            <a:off x="2004068" y="878185"/>
+            <a:ext cx="8183864" cy="2550815"/>
+          </a:xfrm>
+          <a:prstGeom prst="rect">
+            <a:avLst/>
+          </a:prstGeom>
+        </p:spPr>
+      </p:pic>
+    </p:spTree>
+    <p:extLst>
+      <p:ext uri="{BB962C8B-B14F-4D97-AF65-F5344CB8AC3E}">
+        <p14:creationId xmlns:p14="http://schemas.microsoft.com/office/powerpoint/2010/main" val="2592922607"/>
+      </p:ext>
+    </p:extLst>
+  </p:cSld>
+  <p:clrMapOvr>
+    <a:masterClrMapping/>
+  </p:clrMapOvr>
+</p:sld>
+</file>
+
 <file path=ppt/theme/theme1.xml><?xml version="1.0" encoding="utf-8"?>
 <a:theme xmlns:a="http://schemas.openxmlformats.org/drawingml/2006/main" name="Office Theme">
   <a:themeElements>
